--- a/Presentation/frozen_orbit.pptx
+++ b/Presentation/frozen_orbit.pptx
@@ -5289,8 +5289,12 @@
           <a:lstStyle/>
           <a:p>
             <a:r>
-              <a:rPr lang="en-US" altLang="en-US" b="1" dirty="0"/>
-              <a:t>Title</a:t>
+              <a:rPr lang="en-GB" altLang="en-US" dirty="0"/>
+              <a:t>Frozen Orbit </a:t>
+            </a:r>
+            <a:r>
+              <a:rPr lang="en-GB" altLang="en-US" dirty="0" err="1"/>
+              <a:t>Beispiele</a:t>
             </a:r>
             <a:endParaRPr lang="en-GB" altLang="en-US" dirty="0"/>
           </a:p>
@@ -5325,7 +5329,7 @@
             <a:pPr algn="l" eaLnBrk="1" hangingPunct="1"/>
             <a:r>
               <a:rPr lang="de-DE" altLang="en-US" sz="1800" dirty="0"/>
-              <a:t>Torber Blei</a:t>
+              <a:t>Torben Blei</a:t>
             </a:r>
           </a:p>
           <a:p>
@@ -5339,7 +5343,7 @@
             <a:pPr algn="l" eaLnBrk="1" hangingPunct="1"/>
             <a:r>
               <a:rPr lang="de-DE" altLang="en-US" sz="1800" dirty="0"/>
-              <a:t>Phillip Scholli</a:t>
+              <a:t>Philipp Schollmeier</a:t>
             </a:r>
           </a:p>
           <a:p>
@@ -6528,7 +6532,11 @@
           <a:bodyPr/>
           <a:lstStyle/>
           <a:p>
-            <a:endParaRPr lang="zh-CN" altLang="en-US"/>
+            <a:r>
+              <a:rPr lang="en-US" altLang="zh-CN" dirty="0"/>
+              <a:t>CHAMP</a:t>
+            </a:r>
+            <a:endParaRPr lang="zh-CN" altLang="en-US" dirty="0"/>
           </a:p>
         </p:txBody>
       </p:sp>
@@ -6653,6 +6661,10 @@
           <a:bodyPr/>
           <a:lstStyle/>
           <a:p>
+            <a:r>
+              <a:rPr lang="en-US" altLang="zh-CN"/>
+              <a:t>CHAMP</a:t>
+            </a:r>
             <a:endParaRPr lang="zh-CN" altLang="en-US"/>
           </a:p>
         </p:txBody>
